--- a/Terraform/Terraform e ACI.pptx
+++ b/Terraform/Terraform e ACI.pptx
@@ -4098,7 +4098,7 @@
               </a14:hiddenLine>
             </a:ext>
             <a:ext uri="{FAA26D3D-D897-4be2-8F04-BA451C77F1D7}">
-              <ma14:placeholderFlag xmlns="" xmlns:ma14="http://schemas.microsoft.com/office/mac/drawingml/2011/main" val="1"/>
+              <ma14:placeholderFlag xmlns:ma14="http://schemas.microsoft.com/office/mac/drawingml/2011/main" xmlns="" val="1"/>
             </a:ext>
           </a:extLst>
         </p:spPr>
@@ -4481,14 +4481,14 @@
           </a:ln>
           <a:extLst>
             <a:ext uri="{909E8E84-426E-40dd-AFC4-6F175D3DCCD1}">
-              <a14:hiddenFill xmlns:a14="http://schemas.microsoft.com/office/drawing/2010/main" xmlns="">
+              <a14:hiddenFill xmlns="" xmlns:a14="http://schemas.microsoft.com/office/drawing/2010/main">
                 <a:solidFill>
                   <a:srgbClr val="FFFFFF"/>
                 </a:solidFill>
               </a14:hiddenFill>
             </a:ext>
             <a:ext uri="{91240B29-F687-4f45-9708-019B960494DF}">
-              <a14:hiddenLine xmlns:a14="http://schemas.microsoft.com/office/drawing/2010/main" xmlns="" w="9525">
+              <a14:hiddenLine xmlns="" xmlns:a14="http://schemas.microsoft.com/office/drawing/2010/main" w="9525">
                 <a:solidFill>
                   <a:srgbClr val="000000"/>
                 </a:solidFill>
@@ -4591,7 +4591,7 @@
               </a14:hiddenLine>
             </a:ext>
             <a:ext uri="{FAA26D3D-D897-4be2-8F04-BA451C77F1D7}">
-              <ma14:placeholderFlag xmlns="" xmlns:ma14="http://schemas.microsoft.com/office/mac/drawingml/2011/main" val="1"/>
+              <ma14:placeholderFlag xmlns:ma14="http://schemas.microsoft.com/office/mac/drawingml/2011/main" xmlns="" val="1"/>
             </a:ext>
           </a:extLst>
         </p:spPr>
@@ -4818,14 +4818,14 @@
           </a:ln>
           <a:extLst>
             <a:ext uri="{909E8E84-426E-40dd-AFC4-6F175D3DCCD1}">
-              <a14:hiddenFill xmlns:a14="http://schemas.microsoft.com/office/drawing/2010/main" xmlns="">
+              <a14:hiddenFill xmlns="" xmlns:a14="http://schemas.microsoft.com/office/drawing/2010/main">
                 <a:solidFill>
                   <a:srgbClr val="FFFFFF"/>
                 </a:solidFill>
               </a14:hiddenFill>
             </a:ext>
             <a:ext uri="{91240B29-F687-4f45-9708-019B960494DF}">
-              <a14:hiddenLine xmlns:a14="http://schemas.microsoft.com/office/drawing/2010/main" xmlns="" w="9525">
+              <a14:hiddenLine xmlns="" xmlns:a14="http://schemas.microsoft.com/office/drawing/2010/main" w="9525">
                 <a:solidFill>
                   <a:srgbClr val="000000"/>
                 </a:solidFill>
@@ -5026,14 +5026,14 @@
           </a:ln>
           <a:extLst>
             <a:ext uri="{909E8E84-426E-40dd-AFC4-6F175D3DCCD1}">
-              <a14:hiddenFill xmlns:a14="http://schemas.microsoft.com/office/drawing/2010/main" xmlns="">
+              <a14:hiddenFill xmlns="" xmlns:a14="http://schemas.microsoft.com/office/drawing/2010/main">
                 <a:solidFill>
                   <a:srgbClr val="FFFFFF"/>
                 </a:solidFill>
               </a14:hiddenFill>
             </a:ext>
             <a:ext uri="{91240B29-F687-4f45-9708-019B960494DF}">
-              <a14:hiddenLine xmlns:a14="http://schemas.microsoft.com/office/drawing/2010/main" xmlns="" w="9525">
+              <a14:hiddenLine xmlns="" xmlns:a14="http://schemas.microsoft.com/office/drawing/2010/main" w="9525">
                 <a:solidFill>
                   <a:srgbClr val="000000"/>
                 </a:solidFill>
@@ -5176,14 +5176,14 @@
           </a:ln>
           <a:extLst>
             <a:ext uri="{909E8E84-426E-40dd-AFC4-6F175D3DCCD1}">
-              <a14:hiddenFill xmlns="" xmlns:a14="http://schemas.microsoft.com/office/drawing/2010/main">
+              <a14:hiddenFill xmlns:a14="http://schemas.microsoft.com/office/drawing/2010/main" xmlns="">
                 <a:solidFill>
                   <a:srgbClr val="FFFFFF"/>
                 </a:solidFill>
               </a14:hiddenFill>
             </a:ext>
             <a:ext uri="{91240B29-F687-4f45-9708-019B960494DF}">
-              <a14:hiddenLine xmlns="" xmlns:a14="http://schemas.microsoft.com/office/drawing/2010/main" w="9525">
+              <a14:hiddenLine xmlns:a14="http://schemas.microsoft.com/office/drawing/2010/main" xmlns="" w="9525">
                 <a:solidFill>
                   <a:srgbClr val="000000"/>
                 </a:solidFill>
@@ -5504,7 +5504,7 @@
               </a14:hiddenLine>
             </a:ext>
             <a:ext uri="{FAA26D3D-D897-4be2-8F04-BA451C77F1D7}">
-              <ma14:placeholderFlag xmlns="" xmlns:ma14="http://schemas.microsoft.com/office/mac/drawingml/2011/main" val="1"/>
+              <ma14:placeholderFlag xmlns:ma14="http://schemas.microsoft.com/office/mac/drawingml/2011/main" xmlns="" val="1"/>
             </a:ext>
           </a:extLst>
         </p:spPr>
@@ -5708,7 +5708,7 @@
           </a:ln>
           <a:extLst>
             <a:ext uri="{FAA26D3D-D897-4be2-8F04-BA451C77F1D7}">
-              <ma14:placeholderFlag xmlns="" xmlns:ma14="http://schemas.microsoft.com/office/mac/drawingml/2011/main" val="1"/>
+              <ma14:placeholderFlag xmlns:ma14="http://schemas.microsoft.com/office/mac/drawingml/2011/main" xmlns="" val="1"/>
             </a:ext>
           </a:extLst>
         </p:spPr>
@@ -6079,7 +6079,7 @@
               </a14:hiddenLine>
             </a:ext>
             <a:ext uri="{FAA26D3D-D897-4be2-8F04-BA451C77F1D7}">
-              <ma14:placeholderFlag xmlns="" xmlns:ma14="http://schemas.microsoft.com/office/mac/drawingml/2011/main" val="1"/>
+              <ma14:placeholderFlag xmlns:ma14="http://schemas.microsoft.com/office/mac/drawingml/2011/main" xmlns="" val="1"/>
             </a:ext>
           </a:extLst>
         </p:spPr>
@@ -6645,7 +6645,7 @@
           </a:ln>
           <a:extLst>
             <a:ext uri="{FAA26D3D-D897-4be2-8F04-BA451C77F1D7}">
-              <ma14:placeholderFlag xmlns="" xmlns:ma14="http://schemas.microsoft.com/office/mac/drawingml/2011/main" val="1"/>
+              <ma14:placeholderFlag xmlns:ma14="http://schemas.microsoft.com/office/mac/drawingml/2011/main" xmlns="" val="1"/>
             </a:ext>
           </a:extLst>
         </p:spPr>
@@ -6950,7 +6950,7 @@
           </a:ln>
           <a:extLst>
             <a:ext uri="{FAA26D3D-D897-4be2-8F04-BA451C77F1D7}">
-              <ma14:placeholderFlag xmlns="" xmlns:ma14="http://schemas.microsoft.com/office/mac/drawingml/2011/main" val="1"/>
+              <ma14:placeholderFlag xmlns:ma14="http://schemas.microsoft.com/office/mac/drawingml/2011/main" xmlns="" val="1"/>
             </a:ext>
           </a:extLst>
         </p:spPr>
@@ -7219,7 +7219,7 @@
           </a:ln>
           <a:extLst>
             <a:ext uri="{FAA26D3D-D897-4be2-8F04-BA451C77F1D7}">
-              <ma14:placeholderFlag xmlns="" xmlns:ma14="http://schemas.microsoft.com/office/mac/drawingml/2011/main" val="1"/>
+              <ma14:placeholderFlag xmlns:ma14="http://schemas.microsoft.com/office/mac/drawingml/2011/main" xmlns="" val="1"/>
             </a:ext>
           </a:extLst>
         </p:spPr>
@@ -7460,7 +7460,7 @@
               </a14:hiddenLine>
             </a:ext>
             <a:ext uri="{FAA26D3D-D897-4be2-8F04-BA451C77F1D7}">
-              <ma14:placeholderFlag xmlns="" xmlns:ma14="http://schemas.microsoft.com/office/mac/drawingml/2011/main" val="1"/>
+              <ma14:placeholderFlag xmlns:ma14="http://schemas.microsoft.com/office/mac/drawingml/2011/main" xmlns="" val="1"/>
             </a:ext>
           </a:extLst>
         </p:spPr>
@@ -7737,7 +7737,7 @@
               </a14:hiddenLine>
             </a:ext>
             <a:ext uri="{FAA26D3D-D897-4be2-8F04-BA451C77F1D7}">
-              <ma14:placeholderFlag xmlns="" xmlns:ma14="http://schemas.microsoft.com/office/mac/drawingml/2011/main" val="1"/>
+              <ma14:placeholderFlag xmlns:ma14="http://schemas.microsoft.com/office/mac/drawingml/2011/main" xmlns="" val="1"/>
             </a:ext>
           </a:extLst>
         </p:spPr>
@@ -8009,7 +8009,7 @@
               </a14:hiddenLine>
             </a:ext>
             <a:ext uri="{FAA26D3D-D897-4be2-8F04-BA451C77F1D7}">
-              <ma14:placeholderFlag xmlns="" xmlns:ma14="http://schemas.microsoft.com/office/mac/drawingml/2011/main" val="1"/>
+              <ma14:placeholderFlag xmlns:ma14="http://schemas.microsoft.com/office/mac/drawingml/2011/main" xmlns="" val="1"/>
             </a:ext>
           </a:extLst>
         </p:spPr>
@@ -11499,7 +11499,7 @@
               </a14:hiddenLine>
             </a:ext>
             <a:ext uri="{FAA26D3D-D897-4be2-8F04-BA451C77F1D7}">
-              <ma14:placeholderFlag xmlns="" xmlns:ma14="http://schemas.microsoft.com/office/mac/drawingml/2011/main" val="1"/>
+              <ma14:placeholderFlag xmlns:ma14="http://schemas.microsoft.com/office/mac/drawingml/2011/main" xmlns="" val="1"/>
             </a:ext>
           </a:extLst>
         </p:spPr>
@@ -20645,17 +20645,206 @@
           <a:solidFill>
             <a:srgbClr val="FFFFFF"/>
           </a:solidFill>
-          <a:extLst>
-            <a:ext uri="{909E8E84-426E-40DD-AFC4-6F175D3DCCD1}">
-              <a14:hiddenFill xmlns:a14="http://schemas.microsoft.com/office/drawing/2010/main">
-                <a:solidFill>
-                  <a:srgbClr val="FFFFFF"/>
-                </a:solidFill>
-              </a14:hiddenFill>
-            </a:ext>
-          </a:extLst>
         </p:spPr>
       </p:pic>
+      <p:sp>
+        <p:nvSpPr>
+          <p:cNvPr id="3" name="Título 3">
+            <a:extLst>
+              <a:ext uri="{FF2B5EF4-FFF2-40B4-BE49-F238E27FC236}">
+                <a16:creationId xmlns:a16="http://schemas.microsoft.com/office/drawing/2014/main" id="{782CF5AA-3631-4848-A58D-1D0FC77CD0BB}"/>
+              </a:ext>
+            </a:extLst>
+          </p:cNvPr>
+          <p:cNvSpPr txBox="1">
+            <a:spLocks/>
+          </p:cNvSpPr>
+          <p:nvPr/>
+        </p:nvSpPr>
+        <p:spPr>
+          <a:xfrm>
+            <a:off x="437766" y="341313"/>
+            <a:ext cx="8345488" cy="731837"/>
+          </a:xfrm>
+          <a:prstGeom prst="rect">
+            <a:avLst/>
+          </a:prstGeom>
+        </p:spPr>
+        <p:txBody>
+          <a:bodyPr/>
+          <a:lstStyle>
+            <a:lvl1pPr algn="l" defTabSz="684213" rtl="0" eaLnBrk="1" fontAlgn="base" hangingPunct="1">
+              <a:lnSpc>
+                <a:spcPct val="80000"/>
+              </a:lnSpc>
+              <a:spcBef>
+                <a:spcPct val="0"/>
+              </a:spcBef>
+              <a:spcAft>
+                <a:spcPct val="0"/>
+              </a:spcAft>
+              <a:defRPr lang="en-US" sz="2800" b="0" i="0" u="none" kern="1200" dirty="0">
+                <a:solidFill>
+                  <a:schemeClr val="tx2"/>
+                </a:solidFill>
+                <a:latin typeface="+mj-lt"/>
+                <a:ea typeface="CiscoSansTT Thin" charset="0"/>
+                <a:cs typeface="CiscoSansTT Thin" charset="0"/>
+              </a:defRPr>
+            </a:lvl1pPr>
+            <a:lvl2pPr algn="l" defTabSz="684213" rtl="0" eaLnBrk="1" fontAlgn="base" hangingPunct="1">
+              <a:lnSpc>
+                <a:spcPct val="80000"/>
+              </a:lnSpc>
+              <a:spcBef>
+                <a:spcPct val="0"/>
+              </a:spcBef>
+              <a:spcAft>
+                <a:spcPct val="0"/>
+              </a:spcAft>
+              <a:defRPr sz="3200">
+                <a:solidFill>
+                  <a:srgbClr val="676767"/>
+                </a:solidFill>
+                <a:latin typeface="Arial" charset="0"/>
+                <a:ea typeface="ＭＳ Ｐゴシック" charset="0"/>
+              </a:defRPr>
+            </a:lvl2pPr>
+            <a:lvl3pPr algn="l" defTabSz="684213" rtl="0" eaLnBrk="1" fontAlgn="base" hangingPunct="1">
+              <a:lnSpc>
+                <a:spcPct val="80000"/>
+              </a:lnSpc>
+              <a:spcBef>
+                <a:spcPct val="0"/>
+              </a:spcBef>
+              <a:spcAft>
+                <a:spcPct val="0"/>
+              </a:spcAft>
+              <a:defRPr sz="3200">
+                <a:solidFill>
+                  <a:srgbClr val="676767"/>
+                </a:solidFill>
+                <a:latin typeface="Arial" charset="0"/>
+                <a:ea typeface="ＭＳ Ｐゴシック" charset="0"/>
+              </a:defRPr>
+            </a:lvl3pPr>
+            <a:lvl4pPr algn="l" defTabSz="684213" rtl="0" eaLnBrk="1" fontAlgn="base" hangingPunct="1">
+              <a:lnSpc>
+                <a:spcPct val="80000"/>
+              </a:lnSpc>
+              <a:spcBef>
+                <a:spcPct val="0"/>
+              </a:spcBef>
+              <a:spcAft>
+                <a:spcPct val="0"/>
+              </a:spcAft>
+              <a:defRPr sz="3200">
+                <a:solidFill>
+                  <a:srgbClr val="676767"/>
+                </a:solidFill>
+                <a:latin typeface="Arial" charset="0"/>
+                <a:ea typeface="ＭＳ Ｐゴシック" charset="0"/>
+              </a:defRPr>
+            </a:lvl4pPr>
+            <a:lvl5pPr algn="l" defTabSz="684213" rtl="0" eaLnBrk="1" fontAlgn="base" hangingPunct="1">
+              <a:lnSpc>
+                <a:spcPct val="80000"/>
+              </a:lnSpc>
+              <a:spcBef>
+                <a:spcPct val="0"/>
+              </a:spcBef>
+              <a:spcAft>
+                <a:spcPct val="0"/>
+              </a:spcAft>
+              <a:defRPr sz="3200">
+                <a:solidFill>
+                  <a:srgbClr val="676767"/>
+                </a:solidFill>
+                <a:latin typeface="Arial" charset="0"/>
+                <a:ea typeface="ＭＳ Ｐゴシック" charset="0"/>
+              </a:defRPr>
+            </a:lvl5pPr>
+            <a:lvl6pPr marL="457200" algn="l" defTabSz="684213" rtl="0" eaLnBrk="1" fontAlgn="base" hangingPunct="1">
+              <a:lnSpc>
+                <a:spcPct val="80000"/>
+              </a:lnSpc>
+              <a:spcBef>
+                <a:spcPct val="0"/>
+              </a:spcBef>
+              <a:spcAft>
+                <a:spcPct val="0"/>
+              </a:spcAft>
+              <a:defRPr sz="3200">
+                <a:solidFill>
+                  <a:srgbClr val="676767"/>
+                </a:solidFill>
+                <a:latin typeface="Arial" charset="0"/>
+                <a:ea typeface="ＭＳ Ｐゴシック" charset="0"/>
+              </a:defRPr>
+            </a:lvl6pPr>
+            <a:lvl7pPr marL="914400" algn="l" defTabSz="684213" rtl="0" eaLnBrk="1" fontAlgn="base" hangingPunct="1">
+              <a:lnSpc>
+                <a:spcPct val="80000"/>
+              </a:lnSpc>
+              <a:spcBef>
+                <a:spcPct val="0"/>
+              </a:spcBef>
+              <a:spcAft>
+                <a:spcPct val="0"/>
+              </a:spcAft>
+              <a:defRPr sz="3200">
+                <a:solidFill>
+                  <a:srgbClr val="676767"/>
+                </a:solidFill>
+                <a:latin typeface="Arial" charset="0"/>
+                <a:ea typeface="ＭＳ Ｐゴシック" charset="0"/>
+              </a:defRPr>
+            </a:lvl7pPr>
+            <a:lvl8pPr marL="1371600" algn="l" defTabSz="684213" rtl="0" eaLnBrk="1" fontAlgn="base" hangingPunct="1">
+              <a:lnSpc>
+                <a:spcPct val="80000"/>
+              </a:lnSpc>
+              <a:spcBef>
+                <a:spcPct val="0"/>
+              </a:spcBef>
+              <a:spcAft>
+                <a:spcPct val="0"/>
+              </a:spcAft>
+              <a:defRPr sz="3200">
+                <a:solidFill>
+                  <a:srgbClr val="676767"/>
+                </a:solidFill>
+                <a:latin typeface="Arial" charset="0"/>
+                <a:ea typeface="ＭＳ Ｐゴシック" charset="0"/>
+              </a:defRPr>
+            </a:lvl8pPr>
+            <a:lvl9pPr marL="1828800" algn="l" defTabSz="684213" rtl="0" eaLnBrk="1" fontAlgn="base" hangingPunct="1">
+              <a:lnSpc>
+                <a:spcPct val="80000"/>
+              </a:lnSpc>
+              <a:spcBef>
+                <a:spcPct val="0"/>
+              </a:spcBef>
+              <a:spcAft>
+                <a:spcPct val="0"/>
+              </a:spcAft>
+              <a:defRPr sz="3200">
+                <a:solidFill>
+                  <a:srgbClr val="676767"/>
+                </a:solidFill>
+                <a:latin typeface="Arial" charset="0"/>
+                <a:ea typeface="ＭＳ Ｐゴシック" charset="0"/>
+              </a:defRPr>
+            </a:lvl9pPr>
+          </a:lstStyle>
+          <a:p>
+            <a:r>
+              <a:rPr lang="pt-BR" dirty="0"/>
+              <a:t>O que é IAC</a:t>
+            </a:r>
+          </a:p>
+        </p:txBody>
+      </p:sp>
     </p:spTree>
     <p:extLst>
       <p:ext uri="{BB962C8B-B14F-4D97-AF65-F5344CB8AC3E}">
